--- a/result_season2/figures.pptx
+++ b/result_season2/figures.pptx
@@ -5,13 +5,14 @@
     <p:sldMasterId id="2147483651" r:id="rId1"/>
   </p:sldMasterIdLst>
   <p:notesMasterIdLst>
-    <p:notesMasterId r:id="rId3"/>
+    <p:notesMasterId r:id="rId4"/>
   </p:notesMasterIdLst>
   <p:handoutMasterIdLst>
-    <p:handoutMasterId r:id="rId4"/>
+    <p:handoutMasterId r:id="rId5"/>
   </p:handoutMasterIdLst>
   <p:sldIdLst>
     <p:sldId id="1499" r:id="rId2"/>
+    <p:sldId id="1500" r:id="rId3"/>
   </p:sldIdLst>
   <p:sldSz cx="9144000" cy="6858000" type="screen4x3"/>
   <p:notesSz cx="6797675" cy="9928225"/>
@@ -1809,7 +1810,7 @@
         </p:blipFill>
         <p:spPr>
           <a:xfrm>
-            <a:off x="3627826" y="1415042"/>
+            <a:off x="3699543" y="653042"/>
             <a:ext cx="5327916" cy="2970980"/>
           </a:xfrm>
           <a:prstGeom prst="rect">
@@ -1832,7 +1833,7 @@
         </p:blipFill>
         <p:spPr>
           <a:xfrm>
-            <a:off x="179295" y="2046818"/>
+            <a:off x="337779" y="1668684"/>
             <a:ext cx="3173506" cy="3821030"/>
           </a:xfrm>
           <a:prstGeom prst="rect">
@@ -1848,7 +1849,7 @@
         </p:nvSpPr>
         <p:spPr>
           <a:xfrm>
-            <a:off x="208957" y="1177494"/>
+            <a:off x="262745" y="343776"/>
             <a:ext cx="356188" cy="461665"/>
           </a:xfrm>
           <a:prstGeom prst="rect">
@@ -1889,7 +1890,7 @@
         </p:nvSpPr>
         <p:spPr>
           <a:xfrm>
-            <a:off x="4259749" y="1177494"/>
+            <a:off x="4313537" y="343776"/>
             <a:ext cx="372218" cy="461665"/>
           </a:xfrm>
           <a:prstGeom prst="rect">
@@ -1959,10 +1960,1310 @@
           </a:p>
         </p:txBody>
       </p:sp>
+      <p:sp>
+        <p:nvSpPr>
+          <p:cNvPr id="11" name="직사각형 10"/>
+          <p:cNvSpPr/>
+          <p:nvPr/>
+        </p:nvSpPr>
+        <p:spPr>
+          <a:xfrm>
+            <a:off x="262746" y="343776"/>
+            <a:ext cx="356188" cy="461665"/>
+          </a:xfrm>
+          <a:prstGeom prst="rect">
+            <a:avLst/>
+          </a:prstGeom>
+        </p:spPr>
+        <p:txBody>
+          <a:bodyPr wrap="none">
+            <a:spAutoFit/>
+          </a:bodyPr>
+          <a:lstStyle/>
+          <a:p>
+            <a:r>
+              <a:rPr lang="en-US" b="1" dirty="0" smtClean="0">
+                <a:solidFill>
+                  <a:srgbClr val="000000"/>
+                </a:solidFill>
+                <a:latin typeface="Arial" panose="020B0604020202020204" pitchFamily="34" charset="0"/>
+                <a:cs typeface="Arial" panose="020B0604020202020204" pitchFamily="34" charset="0"/>
+              </a:rPr>
+              <a:t>a</a:t>
+            </a:r>
+            <a:endParaRPr lang="en-US" b="1" dirty="0">
+              <a:solidFill>
+                <a:srgbClr val="000000"/>
+              </a:solidFill>
+              <a:latin typeface="Arial" panose="020B0604020202020204" pitchFamily="34" charset="0"/>
+              <a:cs typeface="Arial" panose="020B0604020202020204" pitchFamily="34" charset="0"/>
+            </a:endParaRPr>
+          </a:p>
+        </p:txBody>
+      </p:sp>
+      <p:sp>
+        <p:nvSpPr>
+          <p:cNvPr id="12" name="직사각형 11"/>
+          <p:cNvSpPr/>
+          <p:nvPr/>
+        </p:nvSpPr>
+        <p:spPr>
+          <a:xfrm>
+            <a:off x="4313538" y="343776"/>
+            <a:ext cx="372218" cy="461665"/>
+          </a:xfrm>
+          <a:prstGeom prst="rect">
+            <a:avLst/>
+          </a:prstGeom>
+        </p:spPr>
+        <p:txBody>
+          <a:bodyPr wrap="none">
+            <a:spAutoFit/>
+          </a:bodyPr>
+          <a:lstStyle/>
+          <a:p>
+            <a:r>
+              <a:rPr lang="en-US" b="1" dirty="0" smtClean="0">
+                <a:solidFill>
+                  <a:srgbClr val="000000"/>
+                </a:solidFill>
+                <a:latin typeface="Arial" panose="020B0604020202020204" pitchFamily="34" charset="0"/>
+                <a:cs typeface="Arial" panose="020B0604020202020204" pitchFamily="34" charset="0"/>
+              </a:rPr>
+              <a:t>b</a:t>
+            </a:r>
+            <a:endParaRPr lang="en-US" b="1" dirty="0">
+              <a:solidFill>
+                <a:srgbClr val="000000"/>
+              </a:solidFill>
+              <a:latin typeface="Arial" panose="020B0604020202020204" pitchFamily="34" charset="0"/>
+              <a:cs typeface="Arial" panose="020B0604020202020204" pitchFamily="34" charset="0"/>
+            </a:endParaRPr>
+          </a:p>
+        </p:txBody>
+      </p:sp>
+      <p:sp>
+        <p:nvSpPr>
+          <p:cNvPr id="13" name="직사각형 12"/>
+          <p:cNvSpPr/>
+          <p:nvPr/>
+        </p:nvSpPr>
+        <p:spPr>
+          <a:xfrm>
+            <a:off x="0" y="6611779"/>
+            <a:ext cx="787395" cy="246221"/>
+          </a:xfrm>
+          <a:prstGeom prst="rect">
+            <a:avLst/>
+          </a:prstGeom>
+        </p:spPr>
+        <p:txBody>
+          <a:bodyPr wrap="none">
+            <a:spAutoFit/>
+          </a:bodyPr>
+          <a:lstStyle/>
+          <a:p>
+            <a:r>
+              <a:rPr lang="en-US" sz="1000" b="1" dirty="0">
+                <a:solidFill>
+                  <a:srgbClr val="000000"/>
+                </a:solidFill>
+              </a:rPr>
+              <a:t>Figure 1. </a:t>
+            </a:r>
+            <a:endParaRPr lang="en-US" sz="1000" b="1" dirty="0">
+              <a:solidFill>
+                <a:srgbClr val="000000"/>
+              </a:solidFill>
+            </a:endParaRPr>
+          </a:p>
+        </p:txBody>
+      </p:sp>
+      <p:sp>
+        <p:nvSpPr>
+          <p:cNvPr id="14" name="직사각형 13"/>
+          <p:cNvSpPr/>
+          <p:nvPr/>
+        </p:nvSpPr>
+        <p:spPr>
+          <a:xfrm>
+            <a:off x="5420929" y="4303455"/>
+            <a:ext cx="3194155" cy="2308324"/>
+          </a:xfrm>
+          <a:prstGeom prst="rect">
+            <a:avLst/>
+          </a:prstGeom>
+        </p:spPr>
+        <p:txBody>
+          <a:bodyPr wrap="square">
+            <a:spAutoFit/>
+          </a:bodyPr>
+          <a:lstStyle/>
+          <a:p>
+            <a:r>
+              <a:rPr lang="en-US" sz="1800" dirty="0" smtClean="0">
+                <a:solidFill>
+                  <a:srgbClr val="000000"/>
+                </a:solidFill>
+                <a:latin typeface="Arial" panose="020B0604020202020204" pitchFamily="34" charset="0"/>
+                <a:cs typeface="Arial" panose="020B0604020202020204" pitchFamily="34" charset="0"/>
+              </a:rPr>
+              <a:t>Input = </a:t>
+            </a:r>
+            <a:r>
+              <a:rPr lang="en-US" sz="1800" dirty="0">
+                <a:solidFill>
+                  <a:srgbClr val="000000"/>
+                </a:solidFill>
+                <a:latin typeface="Arial" panose="020B0604020202020204" pitchFamily="34" charset="0"/>
+                <a:cs typeface="Arial" panose="020B0604020202020204" pitchFamily="34" charset="0"/>
+              </a:rPr>
+              <a:t>{</a:t>
+            </a:r>
+          </a:p>
+          <a:p>
+            <a:r>
+              <a:rPr lang="en-US" sz="1800" dirty="0">
+                <a:solidFill>
+                  <a:srgbClr val="000000"/>
+                </a:solidFill>
+                <a:latin typeface="Arial" panose="020B0604020202020204" pitchFamily="34" charset="0"/>
+                <a:cs typeface="Arial" panose="020B0604020202020204" pitchFamily="34" charset="0"/>
+              </a:rPr>
+              <a:t>    '</a:t>
+            </a:r>
+            <a:r>
+              <a:rPr lang="en-US" sz="1800" dirty="0" err="1">
+                <a:solidFill>
+                  <a:srgbClr val="000000"/>
+                </a:solidFill>
+                <a:latin typeface="Arial" panose="020B0604020202020204" pitchFamily="34" charset="0"/>
+                <a:cs typeface="Arial" panose="020B0604020202020204" pitchFamily="34" charset="0"/>
+              </a:rPr>
+              <a:t>State_Mutagen</a:t>
+            </a:r>
+            <a:r>
+              <a:rPr lang="en-US" sz="1800" dirty="0">
+                <a:solidFill>
+                  <a:srgbClr val="000000"/>
+                </a:solidFill>
+                <a:latin typeface="Arial" panose="020B0604020202020204" pitchFamily="34" charset="0"/>
+                <a:cs typeface="Arial" panose="020B0604020202020204" pitchFamily="34" charset="0"/>
+              </a:rPr>
+              <a:t>' : False,</a:t>
+            </a:r>
+          </a:p>
+          <a:p>
+            <a:r>
+              <a:rPr lang="en-US" sz="1800" dirty="0">
+                <a:solidFill>
+                  <a:srgbClr val="000000"/>
+                </a:solidFill>
+                <a:latin typeface="Arial" panose="020B0604020202020204" pitchFamily="34" charset="0"/>
+                <a:cs typeface="Arial" panose="020B0604020202020204" pitchFamily="34" charset="0"/>
+              </a:rPr>
+              <a:t>    '</a:t>
+            </a:r>
+            <a:r>
+              <a:rPr lang="en-US" sz="1800" dirty="0" err="1">
+                <a:solidFill>
+                  <a:srgbClr val="000000"/>
+                </a:solidFill>
+                <a:latin typeface="Arial" panose="020B0604020202020204" pitchFamily="34" charset="0"/>
+                <a:cs typeface="Arial" panose="020B0604020202020204" pitchFamily="34" charset="0"/>
+              </a:rPr>
+              <a:t>State_GFs</a:t>
+            </a:r>
+            <a:r>
+              <a:rPr lang="en-US" sz="1800" dirty="0">
+                <a:solidFill>
+                  <a:srgbClr val="000000"/>
+                </a:solidFill>
+                <a:latin typeface="Arial" panose="020B0604020202020204" pitchFamily="34" charset="0"/>
+                <a:cs typeface="Arial" panose="020B0604020202020204" pitchFamily="34" charset="0"/>
+              </a:rPr>
+              <a:t>': False,</a:t>
+            </a:r>
+          </a:p>
+          <a:p>
+            <a:r>
+              <a:rPr lang="en-US" sz="1800" dirty="0">
+                <a:solidFill>
+                  <a:srgbClr val="000000"/>
+                </a:solidFill>
+                <a:latin typeface="Arial" panose="020B0604020202020204" pitchFamily="34" charset="0"/>
+                <a:cs typeface="Arial" panose="020B0604020202020204" pitchFamily="34" charset="0"/>
+              </a:rPr>
+              <a:t>    '</a:t>
+            </a:r>
+            <a:r>
+              <a:rPr lang="en-US" sz="1800" dirty="0" err="1">
+                <a:solidFill>
+                  <a:srgbClr val="000000"/>
+                </a:solidFill>
+                <a:latin typeface="Arial" panose="020B0604020202020204" pitchFamily="34" charset="0"/>
+                <a:cs typeface="Arial" panose="020B0604020202020204" pitchFamily="34" charset="0"/>
+              </a:rPr>
+              <a:t>State_Nutrients</a:t>
+            </a:r>
+            <a:r>
+              <a:rPr lang="en-US" sz="1800" dirty="0">
+                <a:solidFill>
+                  <a:srgbClr val="000000"/>
+                </a:solidFill>
+                <a:latin typeface="Arial" panose="020B0604020202020204" pitchFamily="34" charset="0"/>
+                <a:cs typeface="Arial" panose="020B0604020202020204" pitchFamily="34" charset="0"/>
+              </a:rPr>
+              <a:t>': False,</a:t>
+            </a:r>
+          </a:p>
+          <a:p>
+            <a:r>
+              <a:rPr lang="en-US" sz="1800" dirty="0">
+                <a:solidFill>
+                  <a:srgbClr val="000000"/>
+                </a:solidFill>
+                <a:latin typeface="Arial" panose="020B0604020202020204" pitchFamily="34" charset="0"/>
+                <a:cs typeface="Arial" panose="020B0604020202020204" pitchFamily="34" charset="0"/>
+              </a:rPr>
+              <a:t>    '</a:t>
+            </a:r>
+            <a:r>
+              <a:rPr lang="en-US" sz="1800" dirty="0" err="1">
+                <a:solidFill>
+                  <a:srgbClr val="000000"/>
+                </a:solidFill>
+                <a:latin typeface="Arial" panose="020B0604020202020204" pitchFamily="34" charset="0"/>
+                <a:cs typeface="Arial" panose="020B0604020202020204" pitchFamily="34" charset="0"/>
+              </a:rPr>
+              <a:t>State_TNFalpha</a:t>
+            </a:r>
+            <a:r>
+              <a:rPr lang="en-US" sz="1800" dirty="0">
+                <a:solidFill>
+                  <a:srgbClr val="000000"/>
+                </a:solidFill>
+                <a:latin typeface="Arial" panose="020B0604020202020204" pitchFamily="34" charset="0"/>
+                <a:cs typeface="Arial" panose="020B0604020202020204" pitchFamily="34" charset="0"/>
+              </a:rPr>
+              <a:t>': False,</a:t>
+            </a:r>
+          </a:p>
+          <a:p>
+            <a:r>
+              <a:rPr lang="en-US" sz="1800" dirty="0">
+                <a:solidFill>
+                  <a:srgbClr val="000000"/>
+                </a:solidFill>
+                <a:latin typeface="Arial" panose="020B0604020202020204" pitchFamily="34" charset="0"/>
+                <a:cs typeface="Arial" panose="020B0604020202020204" pitchFamily="34" charset="0"/>
+              </a:rPr>
+              <a:t>    '</a:t>
+            </a:r>
+            <a:r>
+              <a:rPr lang="en-US" sz="1800" dirty="0" err="1">
+                <a:solidFill>
+                  <a:srgbClr val="000000"/>
+                </a:solidFill>
+                <a:latin typeface="Arial" panose="020B0604020202020204" pitchFamily="34" charset="0"/>
+                <a:cs typeface="Arial" panose="020B0604020202020204" pitchFamily="34" charset="0"/>
+              </a:rPr>
+              <a:t>State_Hypoxia</a:t>
+            </a:r>
+            <a:r>
+              <a:rPr lang="en-US" sz="1800" dirty="0">
+                <a:solidFill>
+                  <a:srgbClr val="000000"/>
+                </a:solidFill>
+                <a:latin typeface="Arial" panose="020B0604020202020204" pitchFamily="34" charset="0"/>
+                <a:cs typeface="Arial" panose="020B0604020202020204" pitchFamily="34" charset="0"/>
+              </a:rPr>
+              <a:t>': False,</a:t>
+            </a:r>
+          </a:p>
+          <a:p>
+            <a:r>
+              <a:rPr lang="en-US" sz="1800" b="1" dirty="0">
+                <a:solidFill>
+                  <a:srgbClr val="000000"/>
+                </a:solidFill>
+                <a:latin typeface="Arial" panose="020B0604020202020204" pitchFamily="34" charset="0"/>
+                <a:cs typeface="Arial" panose="020B0604020202020204" pitchFamily="34" charset="0"/>
+              </a:rPr>
+              <a:t>    '</a:t>
+            </a:r>
+            <a:r>
+              <a:rPr lang="en-US" sz="1800" b="1" dirty="0" err="1">
+                <a:solidFill>
+                  <a:srgbClr val="000000"/>
+                </a:solidFill>
+                <a:latin typeface="Arial" panose="020B0604020202020204" pitchFamily="34" charset="0"/>
+                <a:cs typeface="Arial" panose="020B0604020202020204" pitchFamily="34" charset="0"/>
+              </a:rPr>
+              <a:t>State_Gli</a:t>
+            </a:r>
+            <a:r>
+              <a:rPr lang="en-US" sz="1800" b="1" dirty="0">
+                <a:solidFill>
+                  <a:srgbClr val="000000"/>
+                </a:solidFill>
+                <a:latin typeface="Arial" panose="020B0604020202020204" pitchFamily="34" charset="0"/>
+                <a:cs typeface="Arial" panose="020B0604020202020204" pitchFamily="34" charset="0"/>
+              </a:rPr>
+              <a:t>': </a:t>
+            </a:r>
+            <a:r>
+              <a:rPr lang="en-US" sz="1800" b="1" dirty="0" smtClean="0">
+                <a:solidFill>
+                  <a:srgbClr val="000000"/>
+                </a:solidFill>
+                <a:latin typeface="Arial" panose="020B0604020202020204" pitchFamily="34" charset="0"/>
+                <a:cs typeface="Arial" panose="020B0604020202020204" pitchFamily="34" charset="0"/>
+              </a:rPr>
+              <a:t>True,</a:t>
+            </a:r>
+            <a:endParaRPr lang="en-US" sz="1800" b="1" dirty="0">
+              <a:solidFill>
+                <a:srgbClr val="000000"/>
+              </a:solidFill>
+              <a:latin typeface="Arial" panose="020B0604020202020204" pitchFamily="34" charset="0"/>
+              <a:cs typeface="Arial" panose="020B0604020202020204" pitchFamily="34" charset="0"/>
+            </a:endParaRPr>
+          </a:p>
+          <a:p>
+            <a:r>
+              <a:rPr lang="en-US" sz="1800" dirty="0">
+                <a:solidFill>
+                  <a:srgbClr val="000000"/>
+                </a:solidFill>
+                <a:latin typeface="Arial" panose="020B0604020202020204" pitchFamily="34" charset="0"/>
+                <a:cs typeface="Arial" panose="020B0604020202020204" pitchFamily="34" charset="0"/>
+              </a:rPr>
+              <a:t>    }</a:t>
+            </a:r>
+          </a:p>
+        </p:txBody>
+      </p:sp>
+      <p:sp>
+        <p:nvSpPr>
+          <p:cNvPr id="15" name="타원 14"/>
+          <p:cNvSpPr/>
+          <p:nvPr/>
+        </p:nvSpPr>
+        <p:spPr bwMode="auto">
+          <a:xfrm>
+            <a:off x="4514305" y="2281407"/>
+            <a:ext cx="197395" cy="188743"/>
+          </a:xfrm>
+          <a:prstGeom prst="ellipse">
+            <a:avLst/>
+          </a:prstGeom>
+          <a:noFill/>
+          <a:ln w="38100" cap="flat" cmpd="sng" algn="ctr">
+            <a:solidFill>
+              <a:srgbClr val="FF0000"/>
+            </a:solidFill>
+            <a:prstDash val="solid"/>
+            <a:round/>
+            <a:headEnd type="none" w="med" len="med"/>
+            <a:tailEnd type="none" w="med" len="med"/>
+          </a:ln>
+          <a:effectLst/>
+        </p:spPr>
+        <p:txBody>
+          <a:bodyPr vert="horz" wrap="square" lIns="91440" tIns="45720" rIns="91440" bIns="45720" numCol="1" rtlCol="0" anchor="t" anchorCtr="0" compatLnSpc="1">
+            <a:prstTxWarp prst="textNoShape">
+              <a:avLst/>
+            </a:prstTxWarp>
+          </a:bodyPr>
+          <a:lstStyle/>
+          <a:p>
+            <a:pPr marL="0" marR="0" indent="0" algn="ctr" defTabSz="914400" rtl="0" eaLnBrk="1" fontAlgn="base" latinLnBrk="0" hangingPunct="1">
+              <a:lnSpc>
+                <a:spcPct val="100000"/>
+              </a:lnSpc>
+              <a:spcBef>
+                <a:spcPct val="0"/>
+              </a:spcBef>
+              <a:spcAft>
+                <a:spcPct val="0"/>
+              </a:spcAft>
+              <a:buClrTx/>
+              <a:buSzTx/>
+              <a:buFontTx/>
+              <a:buNone/>
+              <a:tabLst/>
+            </a:pPr>
+            <a:endParaRPr kumimoji="0" lang="en-US" sz="2400" b="0" i="0" u="none" strike="noStrike" cap="none" normalizeH="0" baseline="0" smtClean="0">
+              <a:ln>
+                <a:noFill/>
+              </a:ln>
+              <a:solidFill>
+                <a:schemeClr val="tx1"/>
+              </a:solidFill>
+              <a:effectLst/>
+              <a:latin typeface="Tahoma" pitchFamily="34" charset="0"/>
+            </a:endParaRPr>
+          </a:p>
+        </p:txBody>
+      </p:sp>
+      <p:sp>
+        <p:nvSpPr>
+          <p:cNvPr id="16" name="타원 15"/>
+          <p:cNvSpPr/>
+          <p:nvPr/>
+        </p:nvSpPr>
+        <p:spPr bwMode="auto">
+          <a:xfrm>
+            <a:off x="6826961" y="2375778"/>
+            <a:ext cx="197395" cy="188743"/>
+          </a:xfrm>
+          <a:prstGeom prst="ellipse">
+            <a:avLst/>
+          </a:prstGeom>
+          <a:noFill/>
+          <a:ln w="38100" cap="flat" cmpd="sng" algn="ctr">
+            <a:solidFill>
+              <a:srgbClr val="FF0000"/>
+            </a:solidFill>
+            <a:prstDash val="solid"/>
+            <a:round/>
+            <a:headEnd type="none" w="med" len="med"/>
+            <a:tailEnd type="none" w="med" len="med"/>
+          </a:ln>
+          <a:effectLst/>
+        </p:spPr>
+        <p:txBody>
+          <a:bodyPr vert="horz" wrap="square" lIns="91440" tIns="45720" rIns="91440" bIns="45720" numCol="1" rtlCol="0" anchor="t" anchorCtr="0" compatLnSpc="1">
+            <a:prstTxWarp prst="textNoShape">
+              <a:avLst/>
+            </a:prstTxWarp>
+          </a:bodyPr>
+          <a:lstStyle/>
+          <a:p>
+            <a:pPr marL="0" marR="0" indent="0" algn="ctr" defTabSz="914400" rtl="0" eaLnBrk="1" fontAlgn="base" latinLnBrk="0" hangingPunct="1">
+              <a:lnSpc>
+                <a:spcPct val="100000"/>
+              </a:lnSpc>
+              <a:spcBef>
+                <a:spcPct val="0"/>
+              </a:spcBef>
+              <a:spcAft>
+                <a:spcPct val="0"/>
+              </a:spcAft>
+              <a:buClrTx/>
+              <a:buSzTx/>
+              <a:buFontTx/>
+              <a:buNone/>
+              <a:tabLst/>
+            </a:pPr>
+            <a:endParaRPr kumimoji="0" lang="en-US" sz="2400" b="0" i="0" u="none" strike="noStrike" cap="none" normalizeH="0" baseline="0" smtClean="0">
+              <a:ln>
+                <a:noFill/>
+              </a:ln>
+              <a:solidFill>
+                <a:schemeClr val="tx1"/>
+              </a:solidFill>
+              <a:effectLst/>
+              <a:latin typeface="Tahoma" pitchFamily="34" charset="0"/>
+            </a:endParaRPr>
+          </a:p>
+        </p:txBody>
+      </p:sp>
+      <p:sp>
+        <p:nvSpPr>
+          <p:cNvPr id="17" name="타원 16"/>
+          <p:cNvSpPr/>
+          <p:nvPr/>
+        </p:nvSpPr>
+        <p:spPr bwMode="auto">
+          <a:xfrm>
+            <a:off x="6814261" y="678442"/>
+            <a:ext cx="197395" cy="188743"/>
+          </a:xfrm>
+          <a:prstGeom prst="ellipse">
+            <a:avLst/>
+          </a:prstGeom>
+          <a:noFill/>
+          <a:ln w="38100" cap="flat" cmpd="sng" algn="ctr">
+            <a:solidFill>
+              <a:srgbClr val="FF0000"/>
+            </a:solidFill>
+            <a:prstDash val="solid"/>
+            <a:round/>
+            <a:headEnd type="none" w="med" len="med"/>
+            <a:tailEnd type="none" w="med" len="med"/>
+          </a:ln>
+          <a:effectLst/>
+        </p:spPr>
+        <p:txBody>
+          <a:bodyPr vert="horz" wrap="square" lIns="91440" tIns="45720" rIns="91440" bIns="45720" numCol="1" rtlCol="0" anchor="t" anchorCtr="0" compatLnSpc="1">
+            <a:prstTxWarp prst="textNoShape">
+              <a:avLst/>
+            </a:prstTxWarp>
+          </a:bodyPr>
+          <a:lstStyle/>
+          <a:p>
+            <a:pPr marL="0" marR="0" indent="0" algn="ctr" defTabSz="914400" rtl="0" eaLnBrk="1" fontAlgn="base" latinLnBrk="0" hangingPunct="1">
+              <a:lnSpc>
+                <a:spcPct val="100000"/>
+              </a:lnSpc>
+              <a:spcBef>
+                <a:spcPct val="0"/>
+              </a:spcBef>
+              <a:spcAft>
+                <a:spcPct val="0"/>
+              </a:spcAft>
+              <a:buClrTx/>
+              <a:buSzTx/>
+              <a:buFontTx/>
+              <a:buNone/>
+              <a:tabLst/>
+            </a:pPr>
+            <a:endParaRPr kumimoji="0" lang="en-US" sz="2400" b="0" i="0" u="none" strike="noStrike" cap="none" normalizeH="0" baseline="0" smtClean="0">
+              <a:ln>
+                <a:noFill/>
+              </a:ln>
+              <a:solidFill>
+                <a:schemeClr val="tx1"/>
+              </a:solidFill>
+              <a:effectLst/>
+              <a:latin typeface="Tahoma" pitchFamily="34" charset="0"/>
+            </a:endParaRPr>
+          </a:p>
+        </p:txBody>
+      </p:sp>
+      <p:sp>
+        <p:nvSpPr>
+          <p:cNvPr id="18" name="타원 17"/>
+          <p:cNvSpPr/>
+          <p:nvPr/>
+        </p:nvSpPr>
+        <p:spPr bwMode="auto">
+          <a:xfrm>
+            <a:off x="8751011" y="2932692"/>
+            <a:ext cx="197395" cy="188743"/>
+          </a:xfrm>
+          <a:prstGeom prst="ellipse">
+            <a:avLst/>
+          </a:prstGeom>
+          <a:noFill/>
+          <a:ln w="38100" cap="flat" cmpd="sng" algn="ctr">
+            <a:solidFill>
+              <a:srgbClr val="FF0000"/>
+            </a:solidFill>
+            <a:prstDash val="solid"/>
+            <a:round/>
+            <a:headEnd type="none" w="med" len="med"/>
+            <a:tailEnd type="none" w="med" len="med"/>
+          </a:ln>
+          <a:effectLst/>
+        </p:spPr>
+        <p:txBody>
+          <a:bodyPr vert="horz" wrap="square" lIns="91440" tIns="45720" rIns="91440" bIns="45720" numCol="1" rtlCol="0" anchor="t" anchorCtr="0" compatLnSpc="1">
+            <a:prstTxWarp prst="textNoShape">
+              <a:avLst/>
+            </a:prstTxWarp>
+          </a:bodyPr>
+          <a:lstStyle/>
+          <a:p>
+            <a:pPr marL="0" marR="0" indent="0" algn="ctr" defTabSz="914400" rtl="0" eaLnBrk="1" fontAlgn="base" latinLnBrk="0" hangingPunct="1">
+              <a:lnSpc>
+                <a:spcPct val="100000"/>
+              </a:lnSpc>
+              <a:spcBef>
+                <a:spcPct val="0"/>
+              </a:spcBef>
+              <a:spcAft>
+                <a:spcPct val="0"/>
+              </a:spcAft>
+              <a:buClrTx/>
+              <a:buSzTx/>
+              <a:buFontTx/>
+              <a:buNone/>
+              <a:tabLst/>
+            </a:pPr>
+            <a:endParaRPr kumimoji="0" lang="en-US" sz="2400" b="0" i="0" u="none" strike="noStrike" cap="none" normalizeH="0" baseline="0" smtClean="0">
+              <a:ln>
+                <a:noFill/>
+              </a:ln>
+              <a:solidFill>
+                <a:schemeClr val="tx1"/>
+              </a:solidFill>
+              <a:effectLst/>
+              <a:latin typeface="Tahoma" pitchFamily="34" charset="0"/>
+            </a:endParaRPr>
+          </a:p>
+        </p:txBody>
+      </p:sp>
     </p:spTree>
     <p:extLst>
       <p:ext uri="{BB962C8B-B14F-4D97-AF65-F5344CB8AC3E}">
         <p14:creationId xmlns:p14="http://schemas.microsoft.com/office/powerpoint/2010/main" val="130381708"/>
+      </p:ext>
+    </p:extLst>
+  </p:cSld>
+  <p:clrMapOvr>
+    <a:masterClrMapping/>
+  </p:clrMapOvr>
+  <p:timing>
+    <p:tnLst>
+      <p:par>
+        <p:cTn id="1" dur="indefinite" restart="never" nodeType="tmRoot"/>
+      </p:par>
+    </p:tnLst>
+  </p:timing>
+</p:sld>
+</file>
+
+<file path=ppt/slides/slide2.xml><?xml version="1.0" encoding="utf-8"?>
+<p:sld xmlns:a="http://schemas.openxmlformats.org/drawingml/2006/main" xmlns:r="http://schemas.openxmlformats.org/officeDocument/2006/relationships" xmlns:p="http://schemas.openxmlformats.org/presentationml/2006/main">
+  <p:cSld>
+    <p:spTree>
+      <p:nvGrpSpPr>
+        <p:cNvPr id="1" name=""/>
+        <p:cNvGrpSpPr/>
+        <p:nvPr/>
+      </p:nvGrpSpPr>
+      <p:grpSpPr>
+        <a:xfrm>
+          <a:off x="0" y="0"/>
+          <a:ext cx="0" cy="0"/>
+          <a:chOff x="0" y="0"/>
+          <a:chExt cx="0" cy="0"/>
+        </a:xfrm>
+      </p:grpSpPr>
+      <p:pic>
+        <p:nvPicPr>
+          <p:cNvPr id="4" name="그림 3"/>
+          <p:cNvPicPr>
+            <a:picLocks noChangeAspect="1"/>
+          </p:cNvPicPr>
+          <p:nvPr/>
+        </p:nvPicPr>
+        <p:blipFill rotWithShape="1">
+          <a:blip r:embed="rId2"/>
+          <a:srcRect l="35298" t="16949" r="41310" b="26190"/>
+          <a:stretch/>
+        </p:blipFill>
+        <p:spPr>
+          <a:xfrm>
+            <a:off x="4766965" y="227235"/>
+            <a:ext cx="4074860" cy="4178545"/>
+          </a:xfrm>
+          <a:prstGeom prst="rect">
+            <a:avLst/>
+          </a:prstGeom>
+        </p:spPr>
+      </p:pic>
+      <p:pic>
+        <p:nvPicPr>
+          <p:cNvPr id="5" name="그림 4"/>
+          <p:cNvPicPr>
+            <a:picLocks noChangeAspect="1"/>
+          </p:cNvPicPr>
+          <p:nvPr/>
+        </p:nvPicPr>
+        <p:blipFill rotWithShape="1">
+          <a:blip r:embed="rId3"/>
+          <a:srcRect l="34855" t="11693" r="35681" b="4214"/>
+          <a:stretch/>
+        </p:blipFill>
+        <p:spPr>
+          <a:xfrm>
+            <a:off x="670565" y="1439128"/>
+            <a:ext cx="3173506" cy="3821030"/>
+          </a:xfrm>
+          <a:prstGeom prst="rect">
+            <a:avLst/>
+          </a:prstGeom>
+        </p:spPr>
+      </p:pic>
+      <p:sp>
+        <p:nvSpPr>
+          <p:cNvPr id="6" name="직사각형 5"/>
+          <p:cNvSpPr/>
+          <p:nvPr/>
+        </p:nvSpPr>
+        <p:spPr>
+          <a:xfrm>
+            <a:off x="393697" y="688900"/>
+            <a:ext cx="356188" cy="461665"/>
+          </a:xfrm>
+          <a:prstGeom prst="rect">
+            <a:avLst/>
+          </a:prstGeom>
+        </p:spPr>
+        <p:txBody>
+          <a:bodyPr wrap="none">
+            <a:spAutoFit/>
+          </a:bodyPr>
+          <a:lstStyle/>
+          <a:p>
+            <a:r>
+              <a:rPr lang="en-US" b="1" dirty="0" smtClean="0">
+                <a:solidFill>
+                  <a:srgbClr val="000000"/>
+                </a:solidFill>
+                <a:latin typeface="Arial" panose="020B0604020202020204" pitchFamily="34" charset="0"/>
+                <a:cs typeface="Arial" panose="020B0604020202020204" pitchFamily="34" charset="0"/>
+              </a:rPr>
+              <a:t>a</a:t>
+            </a:r>
+            <a:endParaRPr lang="en-US" b="1" dirty="0">
+              <a:solidFill>
+                <a:srgbClr val="000000"/>
+              </a:solidFill>
+              <a:latin typeface="Arial" panose="020B0604020202020204" pitchFamily="34" charset="0"/>
+              <a:cs typeface="Arial" panose="020B0604020202020204" pitchFamily="34" charset="0"/>
+            </a:endParaRPr>
+          </a:p>
+        </p:txBody>
+      </p:sp>
+      <p:sp>
+        <p:nvSpPr>
+          <p:cNvPr id="7" name="직사각형 6"/>
+          <p:cNvSpPr/>
+          <p:nvPr/>
+        </p:nvSpPr>
+        <p:spPr>
+          <a:xfrm>
+            <a:off x="4283688" y="227235"/>
+            <a:ext cx="372218" cy="461665"/>
+          </a:xfrm>
+          <a:prstGeom prst="rect">
+            <a:avLst/>
+          </a:prstGeom>
+        </p:spPr>
+        <p:txBody>
+          <a:bodyPr wrap="none">
+            <a:spAutoFit/>
+          </a:bodyPr>
+          <a:lstStyle/>
+          <a:p>
+            <a:r>
+              <a:rPr lang="en-US" b="1" dirty="0" smtClean="0">
+                <a:solidFill>
+                  <a:srgbClr val="000000"/>
+                </a:solidFill>
+                <a:latin typeface="Arial" panose="020B0604020202020204" pitchFamily="34" charset="0"/>
+                <a:cs typeface="Arial" panose="020B0604020202020204" pitchFamily="34" charset="0"/>
+              </a:rPr>
+              <a:t>b</a:t>
+            </a:r>
+            <a:endParaRPr lang="en-US" b="1" dirty="0">
+              <a:solidFill>
+                <a:srgbClr val="000000"/>
+              </a:solidFill>
+              <a:latin typeface="Arial" panose="020B0604020202020204" pitchFamily="34" charset="0"/>
+              <a:cs typeface="Arial" panose="020B0604020202020204" pitchFamily="34" charset="0"/>
+            </a:endParaRPr>
+          </a:p>
+        </p:txBody>
+      </p:sp>
+      <p:sp>
+        <p:nvSpPr>
+          <p:cNvPr id="8" name="직사각형 7"/>
+          <p:cNvSpPr/>
+          <p:nvPr/>
+        </p:nvSpPr>
+        <p:spPr>
+          <a:xfrm>
+            <a:off x="0" y="6611779"/>
+            <a:ext cx="787395" cy="246221"/>
+          </a:xfrm>
+          <a:prstGeom prst="rect">
+            <a:avLst/>
+          </a:prstGeom>
+        </p:spPr>
+        <p:txBody>
+          <a:bodyPr wrap="none">
+            <a:spAutoFit/>
+          </a:bodyPr>
+          <a:lstStyle/>
+          <a:p>
+            <a:r>
+              <a:rPr lang="en-US" sz="1000" b="1" dirty="0">
+                <a:solidFill>
+                  <a:srgbClr val="000000"/>
+                </a:solidFill>
+              </a:rPr>
+              <a:t>Figure </a:t>
+            </a:r>
+            <a:r>
+              <a:rPr lang="en-US" sz="1000" b="1" dirty="0" smtClean="0">
+                <a:solidFill>
+                  <a:srgbClr val="000000"/>
+                </a:solidFill>
+              </a:rPr>
+              <a:t>2. </a:t>
+            </a:r>
+            <a:endParaRPr lang="en-US" sz="1000" b="1" dirty="0">
+              <a:solidFill>
+                <a:srgbClr val="000000"/>
+              </a:solidFill>
+            </a:endParaRPr>
+          </a:p>
+        </p:txBody>
+      </p:sp>
+      <p:sp>
+        <p:nvSpPr>
+          <p:cNvPr id="10" name="직사각형 9"/>
+          <p:cNvSpPr/>
+          <p:nvPr/>
+        </p:nvSpPr>
+        <p:spPr>
+          <a:xfrm>
+            <a:off x="5429892" y="4405780"/>
+            <a:ext cx="3194155" cy="2308324"/>
+          </a:xfrm>
+          <a:prstGeom prst="rect">
+            <a:avLst/>
+          </a:prstGeom>
+        </p:spPr>
+        <p:txBody>
+          <a:bodyPr wrap="square">
+            <a:spAutoFit/>
+          </a:bodyPr>
+          <a:lstStyle/>
+          <a:p>
+            <a:r>
+              <a:rPr lang="en-US" sz="1800" dirty="0" smtClean="0">
+                <a:solidFill>
+                  <a:srgbClr val="000000"/>
+                </a:solidFill>
+                <a:latin typeface="Arial" panose="020B0604020202020204" pitchFamily="34" charset="0"/>
+                <a:cs typeface="Arial" panose="020B0604020202020204" pitchFamily="34" charset="0"/>
+              </a:rPr>
+              <a:t>Input = </a:t>
+            </a:r>
+            <a:r>
+              <a:rPr lang="en-US" sz="1800" dirty="0">
+                <a:solidFill>
+                  <a:srgbClr val="000000"/>
+                </a:solidFill>
+                <a:latin typeface="Arial" panose="020B0604020202020204" pitchFamily="34" charset="0"/>
+                <a:cs typeface="Arial" panose="020B0604020202020204" pitchFamily="34" charset="0"/>
+              </a:rPr>
+              <a:t>{</a:t>
+            </a:r>
+          </a:p>
+          <a:p>
+            <a:r>
+              <a:rPr lang="en-US" sz="1800" dirty="0">
+                <a:solidFill>
+                  <a:srgbClr val="000000"/>
+                </a:solidFill>
+                <a:latin typeface="Arial" panose="020B0604020202020204" pitchFamily="34" charset="0"/>
+                <a:cs typeface="Arial" panose="020B0604020202020204" pitchFamily="34" charset="0"/>
+              </a:rPr>
+              <a:t>    '</a:t>
+            </a:r>
+            <a:r>
+              <a:rPr lang="en-US" sz="1800" dirty="0" err="1">
+                <a:solidFill>
+                  <a:srgbClr val="000000"/>
+                </a:solidFill>
+                <a:latin typeface="Arial" panose="020B0604020202020204" pitchFamily="34" charset="0"/>
+                <a:cs typeface="Arial" panose="020B0604020202020204" pitchFamily="34" charset="0"/>
+              </a:rPr>
+              <a:t>State_Mutagen</a:t>
+            </a:r>
+            <a:r>
+              <a:rPr lang="en-US" sz="1800" dirty="0">
+                <a:solidFill>
+                  <a:srgbClr val="000000"/>
+                </a:solidFill>
+                <a:latin typeface="Arial" panose="020B0604020202020204" pitchFamily="34" charset="0"/>
+                <a:cs typeface="Arial" panose="020B0604020202020204" pitchFamily="34" charset="0"/>
+              </a:rPr>
+              <a:t>' : False,</a:t>
+            </a:r>
+          </a:p>
+          <a:p>
+            <a:r>
+              <a:rPr lang="en-US" sz="1800" dirty="0">
+                <a:solidFill>
+                  <a:srgbClr val="000000"/>
+                </a:solidFill>
+                <a:latin typeface="Arial" panose="020B0604020202020204" pitchFamily="34" charset="0"/>
+                <a:cs typeface="Arial" panose="020B0604020202020204" pitchFamily="34" charset="0"/>
+              </a:rPr>
+              <a:t>    '</a:t>
+            </a:r>
+            <a:r>
+              <a:rPr lang="en-US" sz="1800" dirty="0" err="1">
+                <a:solidFill>
+                  <a:srgbClr val="000000"/>
+                </a:solidFill>
+                <a:latin typeface="Arial" panose="020B0604020202020204" pitchFamily="34" charset="0"/>
+                <a:cs typeface="Arial" panose="020B0604020202020204" pitchFamily="34" charset="0"/>
+              </a:rPr>
+              <a:t>State_GFs</a:t>
+            </a:r>
+            <a:r>
+              <a:rPr lang="en-US" sz="1800" dirty="0">
+                <a:solidFill>
+                  <a:srgbClr val="000000"/>
+                </a:solidFill>
+                <a:latin typeface="Arial" panose="020B0604020202020204" pitchFamily="34" charset="0"/>
+                <a:cs typeface="Arial" panose="020B0604020202020204" pitchFamily="34" charset="0"/>
+              </a:rPr>
+              <a:t>': False,</a:t>
+            </a:r>
+          </a:p>
+          <a:p>
+            <a:r>
+              <a:rPr lang="en-US" sz="1800" dirty="0">
+                <a:solidFill>
+                  <a:srgbClr val="000000"/>
+                </a:solidFill>
+                <a:latin typeface="Arial" panose="020B0604020202020204" pitchFamily="34" charset="0"/>
+                <a:cs typeface="Arial" panose="020B0604020202020204" pitchFamily="34" charset="0"/>
+              </a:rPr>
+              <a:t>    '</a:t>
+            </a:r>
+            <a:r>
+              <a:rPr lang="en-US" sz="1800" dirty="0" err="1">
+                <a:solidFill>
+                  <a:srgbClr val="000000"/>
+                </a:solidFill>
+                <a:latin typeface="Arial" panose="020B0604020202020204" pitchFamily="34" charset="0"/>
+                <a:cs typeface="Arial" panose="020B0604020202020204" pitchFamily="34" charset="0"/>
+              </a:rPr>
+              <a:t>State_Nutrients</a:t>
+            </a:r>
+            <a:r>
+              <a:rPr lang="en-US" sz="1800" dirty="0">
+                <a:solidFill>
+                  <a:srgbClr val="000000"/>
+                </a:solidFill>
+                <a:latin typeface="Arial" panose="020B0604020202020204" pitchFamily="34" charset="0"/>
+                <a:cs typeface="Arial" panose="020B0604020202020204" pitchFamily="34" charset="0"/>
+              </a:rPr>
+              <a:t>': False,</a:t>
+            </a:r>
+          </a:p>
+          <a:p>
+            <a:r>
+              <a:rPr lang="en-US" sz="1800" dirty="0">
+                <a:solidFill>
+                  <a:srgbClr val="000000"/>
+                </a:solidFill>
+                <a:latin typeface="Arial" panose="020B0604020202020204" pitchFamily="34" charset="0"/>
+                <a:cs typeface="Arial" panose="020B0604020202020204" pitchFamily="34" charset="0"/>
+              </a:rPr>
+              <a:t>    '</a:t>
+            </a:r>
+            <a:r>
+              <a:rPr lang="en-US" sz="1800" dirty="0" err="1">
+                <a:solidFill>
+                  <a:srgbClr val="000000"/>
+                </a:solidFill>
+                <a:latin typeface="Arial" panose="020B0604020202020204" pitchFamily="34" charset="0"/>
+                <a:cs typeface="Arial" panose="020B0604020202020204" pitchFamily="34" charset="0"/>
+              </a:rPr>
+              <a:t>State_TNFalpha</a:t>
+            </a:r>
+            <a:r>
+              <a:rPr lang="en-US" sz="1800" dirty="0">
+                <a:solidFill>
+                  <a:srgbClr val="000000"/>
+                </a:solidFill>
+                <a:latin typeface="Arial" panose="020B0604020202020204" pitchFamily="34" charset="0"/>
+                <a:cs typeface="Arial" panose="020B0604020202020204" pitchFamily="34" charset="0"/>
+              </a:rPr>
+              <a:t>': False,</a:t>
+            </a:r>
+          </a:p>
+          <a:p>
+            <a:r>
+              <a:rPr lang="en-US" sz="1800" dirty="0">
+                <a:solidFill>
+                  <a:srgbClr val="000000"/>
+                </a:solidFill>
+                <a:latin typeface="Arial" panose="020B0604020202020204" pitchFamily="34" charset="0"/>
+                <a:cs typeface="Arial" panose="020B0604020202020204" pitchFamily="34" charset="0"/>
+              </a:rPr>
+              <a:t>    '</a:t>
+            </a:r>
+            <a:r>
+              <a:rPr lang="en-US" sz="1800" dirty="0" err="1">
+                <a:solidFill>
+                  <a:srgbClr val="000000"/>
+                </a:solidFill>
+                <a:latin typeface="Arial" panose="020B0604020202020204" pitchFamily="34" charset="0"/>
+                <a:cs typeface="Arial" panose="020B0604020202020204" pitchFamily="34" charset="0"/>
+              </a:rPr>
+              <a:t>State_Hypoxia</a:t>
+            </a:r>
+            <a:r>
+              <a:rPr lang="en-US" sz="1800" dirty="0">
+                <a:solidFill>
+                  <a:srgbClr val="000000"/>
+                </a:solidFill>
+                <a:latin typeface="Arial" panose="020B0604020202020204" pitchFamily="34" charset="0"/>
+                <a:cs typeface="Arial" panose="020B0604020202020204" pitchFamily="34" charset="0"/>
+              </a:rPr>
+              <a:t>': False,</a:t>
+            </a:r>
+          </a:p>
+          <a:p>
+            <a:r>
+              <a:rPr lang="en-US" sz="1800" b="1" dirty="0">
+                <a:solidFill>
+                  <a:srgbClr val="000000"/>
+                </a:solidFill>
+                <a:latin typeface="Arial" panose="020B0604020202020204" pitchFamily="34" charset="0"/>
+                <a:cs typeface="Arial" panose="020B0604020202020204" pitchFamily="34" charset="0"/>
+              </a:rPr>
+              <a:t>    '</a:t>
+            </a:r>
+            <a:r>
+              <a:rPr lang="en-US" sz="1800" b="1" dirty="0" err="1">
+                <a:solidFill>
+                  <a:srgbClr val="000000"/>
+                </a:solidFill>
+                <a:latin typeface="Arial" panose="020B0604020202020204" pitchFamily="34" charset="0"/>
+                <a:cs typeface="Arial" panose="020B0604020202020204" pitchFamily="34" charset="0"/>
+              </a:rPr>
+              <a:t>State_Gli</a:t>
+            </a:r>
+            <a:r>
+              <a:rPr lang="en-US" sz="1800" b="1" dirty="0">
+                <a:solidFill>
+                  <a:srgbClr val="000000"/>
+                </a:solidFill>
+                <a:latin typeface="Arial" panose="020B0604020202020204" pitchFamily="34" charset="0"/>
+                <a:cs typeface="Arial" panose="020B0604020202020204" pitchFamily="34" charset="0"/>
+              </a:rPr>
+              <a:t>': </a:t>
+            </a:r>
+            <a:r>
+              <a:rPr lang="en-US" sz="1800" b="1" dirty="0" smtClean="0">
+                <a:solidFill>
+                  <a:srgbClr val="000000"/>
+                </a:solidFill>
+                <a:latin typeface="Arial" panose="020B0604020202020204" pitchFamily="34" charset="0"/>
+                <a:cs typeface="Arial" panose="020B0604020202020204" pitchFamily="34" charset="0"/>
+              </a:rPr>
+              <a:t>False,</a:t>
+            </a:r>
+            <a:endParaRPr lang="en-US" sz="1800" b="1" dirty="0">
+              <a:solidFill>
+                <a:srgbClr val="000000"/>
+              </a:solidFill>
+              <a:latin typeface="Arial" panose="020B0604020202020204" pitchFamily="34" charset="0"/>
+              <a:cs typeface="Arial" panose="020B0604020202020204" pitchFamily="34" charset="0"/>
+            </a:endParaRPr>
+          </a:p>
+          <a:p>
+            <a:r>
+              <a:rPr lang="en-US" sz="1800" dirty="0">
+                <a:solidFill>
+                  <a:srgbClr val="000000"/>
+                </a:solidFill>
+                <a:latin typeface="Arial" panose="020B0604020202020204" pitchFamily="34" charset="0"/>
+                <a:cs typeface="Arial" panose="020B0604020202020204" pitchFamily="34" charset="0"/>
+              </a:rPr>
+              <a:t>    }</a:t>
+            </a:r>
+          </a:p>
+        </p:txBody>
+      </p:sp>
+      <p:sp>
+        <p:nvSpPr>
+          <p:cNvPr id="11" name="타원 10"/>
+          <p:cNvSpPr/>
+          <p:nvPr/>
+        </p:nvSpPr>
+        <p:spPr bwMode="auto">
+          <a:xfrm>
+            <a:off x="6742917" y="3371963"/>
+            <a:ext cx="197395" cy="188743"/>
+          </a:xfrm>
+          <a:prstGeom prst="ellipse">
+            <a:avLst/>
+          </a:prstGeom>
+          <a:noFill/>
+          <a:ln w="38100" cap="flat" cmpd="sng" algn="ctr">
+            <a:solidFill>
+              <a:srgbClr val="FF0000"/>
+            </a:solidFill>
+            <a:prstDash val="solid"/>
+            <a:round/>
+            <a:headEnd type="none" w="med" len="med"/>
+            <a:tailEnd type="none" w="med" len="med"/>
+          </a:ln>
+          <a:effectLst/>
+        </p:spPr>
+        <p:txBody>
+          <a:bodyPr vert="horz" wrap="square" lIns="91440" tIns="45720" rIns="91440" bIns="45720" numCol="1" rtlCol="0" anchor="t" anchorCtr="0" compatLnSpc="1">
+            <a:prstTxWarp prst="textNoShape">
+              <a:avLst/>
+            </a:prstTxWarp>
+          </a:bodyPr>
+          <a:lstStyle/>
+          <a:p>
+            <a:pPr marL="0" marR="0" indent="0" algn="ctr" defTabSz="914400" rtl="0" eaLnBrk="1" fontAlgn="base" latinLnBrk="0" hangingPunct="1">
+              <a:lnSpc>
+                <a:spcPct val="100000"/>
+              </a:lnSpc>
+              <a:spcBef>
+                <a:spcPct val="0"/>
+              </a:spcBef>
+              <a:spcAft>
+                <a:spcPct val="0"/>
+              </a:spcAft>
+              <a:buClrTx/>
+              <a:buSzTx/>
+              <a:buFontTx/>
+              <a:buNone/>
+              <a:tabLst/>
+            </a:pPr>
+            <a:endParaRPr kumimoji="0" lang="en-US" sz="2400" b="0" i="0" u="none" strike="noStrike" cap="none" normalizeH="0" baseline="0" smtClean="0">
+              <a:ln>
+                <a:noFill/>
+              </a:ln>
+              <a:solidFill>
+                <a:schemeClr val="tx1"/>
+              </a:solidFill>
+              <a:effectLst/>
+              <a:latin typeface="Tahoma" pitchFamily="34" charset="0"/>
+            </a:endParaRPr>
+          </a:p>
+        </p:txBody>
+      </p:sp>
+      <p:sp>
+        <p:nvSpPr>
+          <p:cNvPr id="12" name="타원 11"/>
+          <p:cNvSpPr/>
+          <p:nvPr/>
+        </p:nvSpPr>
+        <p:spPr bwMode="auto">
+          <a:xfrm>
+            <a:off x="7513881" y="1668669"/>
+            <a:ext cx="197395" cy="188743"/>
+          </a:xfrm>
+          <a:prstGeom prst="ellipse">
+            <a:avLst/>
+          </a:prstGeom>
+          <a:noFill/>
+          <a:ln w="38100" cap="flat" cmpd="sng" algn="ctr">
+            <a:solidFill>
+              <a:srgbClr val="FF0000"/>
+            </a:solidFill>
+            <a:prstDash val="solid"/>
+            <a:round/>
+            <a:headEnd type="none" w="med" len="med"/>
+            <a:tailEnd type="none" w="med" len="med"/>
+          </a:ln>
+          <a:effectLst/>
+        </p:spPr>
+        <p:txBody>
+          <a:bodyPr vert="horz" wrap="square" lIns="91440" tIns="45720" rIns="91440" bIns="45720" numCol="1" rtlCol="0" anchor="t" anchorCtr="0" compatLnSpc="1">
+            <a:prstTxWarp prst="textNoShape">
+              <a:avLst/>
+            </a:prstTxWarp>
+          </a:bodyPr>
+          <a:lstStyle/>
+          <a:p>
+            <a:pPr marL="0" marR="0" indent="0" algn="ctr" defTabSz="914400" rtl="0" eaLnBrk="1" fontAlgn="base" latinLnBrk="0" hangingPunct="1">
+              <a:lnSpc>
+                <a:spcPct val="100000"/>
+              </a:lnSpc>
+              <a:spcBef>
+                <a:spcPct val="0"/>
+              </a:spcBef>
+              <a:spcAft>
+                <a:spcPct val="0"/>
+              </a:spcAft>
+              <a:buClrTx/>
+              <a:buSzTx/>
+              <a:buFontTx/>
+              <a:buNone/>
+              <a:tabLst/>
+            </a:pPr>
+            <a:endParaRPr kumimoji="0" lang="en-US" sz="2400" b="0" i="0" u="none" strike="noStrike" cap="none" normalizeH="0" baseline="0" smtClean="0">
+              <a:ln>
+                <a:noFill/>
+              </a:ln>
+              <a:solidFill>
+                <a:schemeClr val="tx1"/>
+              </a:solidFill>
+              <a:effectLst/>
+              <a:latin typeface="Tahoma" pitchFamily="34" charset="0"/>
+            </a:endParaRPr>
+          </a:p>
+        </p:txBody>
+      </p:sp>
+      <p:sp>
+        <p:nvSpPr>
+          <p:cNvPr id="13" name="타원 12"/>
+          <p:cNvSpPr/>
+          <p:nvPr/>
+        </p:nvSpPr>
+        <p:spPr bwMode="auto">
+          <a:xfrm>
+            <a:off x="5587765" y="670970"/>
+            <a:ext cx="197395" cy="188743"/>
+          </a:xfrm>
+          <a:prstGeom prst="ellipse">
+            <a:avLst/>
+          </a:prstGeom>
+          <a:noFill/>
+          <a:ln w="38100" cap="flat" cmpd="sng" algn="ctr">
+            <a:solidFill>
+              <a:srgbClr val="FF0000"/>
+            </a:solidFill>
+            <a:prstDash val="solid"/>
+            <a:round/>
+            <a:headEnd type="none" w="med" len="med"/>
+            <a:tailEnd type="none" w="med" len="med"/>
+          </a:ln>
+          <a:effectLst/>
+        </p:spPr>
+        <p:txBody>
+          <a:bodyPr vert="horz" wrap="square" lIns="91440" tIns="45720" rIns="91440" bIns="45720" numCol="1" rtlCol="0" anchor="t" anchorCtr="0" compatLnSpc="1">
+            <a:prstTxWarp prst="textNoShape">
+              <a:avLst/>
+            </a:prstTxWarp>
+          </a:bodyPr>
+          <a:lstStyle/>
+          <a:p>
+            <a:pPr marL="0" marR="0" indent="0" algn="ctr" defTabSz="914400" rtl="0" eaLnBrk="1" fontAlgn="base" latinLnBrk="0" hangingPunct="1">
+              <a:lnSpc>
+                <a:spcPct val="100000"/>
+              </a:lnSpc>
+              <a:spcBef>
+                <a:spcPct val="0"/>
+              </a:spcBef>
+              <a:spcAft>
+                <a:spcPct val="0"/>
+              </a:spcAft>
+              <a:buClrTx/>
+              <a:buSzTx/>
+              <a:buFontTx/>
+              <a:buNone/>
+              <a:tabLst/>
+            </a:pPr>
+            <a:endParaRPr kumimoji="0" lang="en-US" sz="2400" b="0" i="0" u="none" strike="noStrike" cap="none" normalizeH="0" baseline="0" smtClean="0">
+              <a:ln>
+                <a:noFill/>
+              </a:ln>
+              <a:solidFill>
+                <a:schemeClr val="tx1"/>
+              </a:solidFill>
+              <a:effectLst/>
+              <a:latin typeface="Tahoma" pitchFamily="34" charset="0"/>
+            </a:endParaRPr>
+          </a:p>
+        </p:txBody>
+      </p:sp>
+    </p:spTree>
+    <p:extLst>
+      <p:ext uri="{BB962C8B-B14F-4D97-AF65-F5344CB8AC3E}">
+        <p14:creationId xmlns:p14="http://schemas.microsoft.com/office/powerpoint/2010/main" val="3267683651"/>
       </p:ext>
     </p:extLst>
   </p:cSld>

--- a/result_season2/figures.pptx
+++ b/result_season2/figures.pptx
@@ -1925,43 +1925,6 @@
       </p:sp>
       <p:sp>
         <p:nvSpPr>
-          <p:cNvPr id="8" name="직사각형 7"/>
-          <p:cNvSpPr/>
-          <p:nvPr/>
-        </p:nvSpPr>
-        <p:spPr>
-          <a:xfrm>
-            <a:off x="-1" y="6611779"/>
-            <a:ext cx="787395" cy="246221"/>
-          </a:xfrm>
-          <a:prstGeom prst="rect">
-            <a:avLst/>
-          </a:prstGeom>
-        </p:spPr>
-        <p:txBody>
-          <a:bodyPr wrap="none">
-            <a:spAutoFit/>
-          </a:bodyPr>
-          <a:lstStyle/>
-          <a:p>
-            <a:r>
-              <a:rPr lang="en-US" sz="1000" b="1" dirty="0">
-                <a:solidFill>
-                  <a:srgbClr val="000000"/>
-                </a:solidFill>
-              </a:rPr>
-              <a:t>Figure 1. </a:t>
-            </a:r>
-            <a:endParaRPr lang="en-US" sz="1000" b="1" dirty="0">
-              <a:solidFill>
-                <a:srgbClr val="000000"/>
-              </a:solidFill>
-            </a:endParaRPr>
-          </a:p>
-        </p:txBody>
-      </p:sp>
-      <p:sp>
-        <p:nvSpPr>
           <p:cNvPr id="11" name="직사각형 10"/>
           <p:cNvSpPr/>
           <p:nvPr/>
@@ -2051,7 +2014,7 @@
         <p:spPr>
           <a:xfrm>
             <a:off x="0" y="6611779"/>
-            <a:ext cx="787395" cy="246221"/>
+            <a:ext cx="1191352" cy="246221"/>
           </a:xfrm>
           <a:prstGeom prst="rect">
             <a:avLst/>
@@ -2064,12 +2027,12 @@
           <a:lstStyle/>
           <a:p>
             <a:r>
-              <a:rPr lang="en-US" sz="1000" b="1" dirty="0">
-                <a:solidFill>
-                  <a:srgbClr val="000000"/>
-                </a:solidFill>
-              </a:rPr>
-              <a:t>Figure 1. </a:t>
+              <a:rPr lang="en-US" sz="1000" b="1" dirty="0" smtClean="0">
+                <a:solidFill>
+                  <a:srgbClr val="000000"/>
+                </a:solidFill>
+              </a:rPr>
+              <a:t>Figure 1. (ver1)</a:t>
             </a:r>
             <a:endParaRPr lang="en-US" sz="1000" b="1" dirty="0">
               <a:solidFill>
@@ -2763,51 +2726,6 @@
       </p:sp>
       <p:sp>
         <p:nvSpPr>
-          <p:cNvPr id="8" name="직사각형 7"/>
-          <p:cNvSpPr/>
-          <p:nvPr/>
-        </p:nvSpPr>
-        <p:spPr>
-          <a:xfrm>
-            <a:off x="0" y="6611779"/>
-            <a:ext cx="787395" cy="246221"/>
-          </a:xfrm>
-          <a:prstGeom prst="rect">
-            <a:avLst/>
-          </a:prstGeom>
-        </p:spPr>
-        <p:txBody>
-          <a:bodyPr wrap="none">
-            <a:spAutoFit/>
-          </a:bodyPr>
-          <a:lstStyle/>
-          <a:p>
-            <a:r>
-              <a:rPr lang="en-US" sz="1000" b="1" dirty="0">
-                <a:solidFill>
-                  <a:srgbClr val="000000"/>
-                </a:solidFill>
-              </a:rPr>
-              <a:t>Figure </a:t>
-            </a:r>
-            <a:r>
-              <a:rPr lang="en-US" sz="1000" b="1" dirty="0" smtClean="0">
-                <a:solidFill>
-                  <a:srgbClr val="000000"/>
-                </a:solidFill>
-              </a:rPr>
-              <a:t>2. </a:t>
-            </a:r>
-            <a:endParaRPr lang="en-US" sz="1000" b="1" dirty="0">
-              <a:solidFill>
-                <a:srgbClr val="000000"/>
-              </a:solidFill>
-            </a:endParaRPr>
-          </a:p>
-        </p:txBody>
-      </p:sp>
-      <p:sp>
-        <p:nvSpPr>
           <p:cNvPr id="10" name="직사각형 9"/>
           <p:cNvSpPr/>
           <p:nvPr/>
@@ -3256,6 +3174,43 @@
               </a:solidFill>
               <a:effectLst/>
               <a:latin typeface="Tahoma" pitchFamily="34" charset="0"/>
+            </a:endParaRPr>
+          </a:p>
+        </p:txBody>
+      </p:sp>
+      <p:sp>
+        <p:nvSpPr>
+          <p:cNvPr id="20" name="직사각형 19"/>
+          <p:cNvSpPr/>
+          <p:nvPr/>
+        </p:nvSpPr>
+        <p:spPr>
+          <a:xfrm>
+            <a:off x="0" y="6611779"/>
+            <a:ext cx="1228221" cy="246221"/>
+          </a:xfrm>
+          <a:prstGeom prst="rect">
+            <a:avLst/>
+          </a:prstGeom>
+        </p:spPr>
+        <p:txBody>
+          <a:bodyPr wrap="none">
+            <a:spAutoFit/>
+          </a:bodyPr>
+          <a:lstStyle/>
+          <a:p>
+            <a:r>
+              <a:rPr lang="en-US" sz="1000" b="1" dirty="0" smtClean="0">
+                <a:solidFill>
+                  <a:srgbClr val="000000"/>
+                </a:solidFill>
+              </a:rPr>
+              <a:t>Figure 1. (ver2)</a:t>
+            </a:r>
+            <a:endParaRPr lang="en-US" sz="1000" b="1" dirty="0">
+              <a:solidFill>
+                <a:srgbClr val="000000"/>
+              </a:solidFill>
             </a:endParaRPr>
           </a:p>
         </p:txBody>

--- a/result_season2/figures.pptx
+++ b/result_season2/figures.pptx
@@ -5,14 +5,15 @@
     <p:sldMasterId id="2147483651" r:id="rId1"/>
   </p:sldMasterIdLst>
   <p:notesMasterIdLst>
-    <p:notesMasterId r:id="rId4"/>
+    <p:notesMasterId r:id="rId5"/>
   </p:notesMasterIdLst>
   <p:handoutMasterIdLst>
-    <p:handoutMasterId r:id="rId5"/>
+    <p:handoutMasterId r:id="rId6"/>
   </p:handoutMasterIdLst>
   <p:sldIdLst>
     <p:sldId id="1499" r:id="rId2"/>
     <p:sldId id="1500" r:id="rId3"/>
+    <p:sldId id="1501" r:id="rId4"/>
   </p:sldIdLst>
   <p:sldSz cx="9144000" cy="6858000" type="screen4x3"/>
   <p:notesSz cx="6797675" cy="9928225"/>
@@ -963,6 +964,96 @@
     <p:extLst>
       <p:ext uri="{BB962C8B-B14F-4D97-AF65-F5344CB8AC3E}">
         <p14:creationId xmlns:p14="http://schemas.microsoft.com/office/powerpoint/2010/main" val="1601203185"/>
+      </p:ext>
+    </p:extLst>
+  </p:cSld>
+  <p:clrMapOvr>
+    <a:masterClrMapping/>
+  </p:clrMapOvr>
+</p:notes>
+</file>
+
+<file path=ppt/notesSlides/notesSlide2.xml><?xml version="1.0" encoding="utf-8"?>
+<p:notes xmlns:a="http://schemas.openxmlformats.org/drawingml/2006/main" xmlns:r="http://schemas.openxmlformats.org/officeDocument/2006/relationships" xmlns:p="http://schemas.openxmlformats.org/presentationml/2006/main">
+  <p:cSld>
+    <p:spTree>
+      <p:nvGrpSpPr>
+        <p:cNvPr id="1" name=""/>
+        <p:cNvGrpSpPr/>
+        <p:nvPr/>
+      </p:nvGrpSpPr>
+      <p:grpSpPr>
+        <a:xfrm>
+          <a:off x="0" y="0"/>
+          <a:ext cx="0" cy="0"/>
+          <a:chOff x="0" y="0"/>
+          <a:chExt cx="0" cy="0"/>
+        </a:xfrm>
+      </p:grpSpPr>
+      <p:sp>
+        <p:nvSpPr>
+          <p:cNvPr id="2" name="슬라이드 이미지 개체 틀 1"/>
+          <p:cNvSpPr>
+            <a:spLocks noGrp="1" noRot="1" noChangeAspect="1"/>
+          </p:cNvSpPr>
+          <p:nvPr>
+            <p:ph type="sldImg"/>
+          </p:nvPr>
+        </p:nvSpPr>
+        <p:spPr/>
+      </p:sp>
+      <p:sp>
+        <p:nvSpPr>
+          <p:cNvPr id="3" name="슬라이드 노트 개체 틀 2"/>
+          <p:cNvSpPr>
+            <a:spLocks noGrp="1"/>
+          </p:cNvSpPr>
+          <p:nvPr>
+            <p:ph type="body" idx="1"/>
+          </p:nvPr>
+        </p:nvSpPr>
+        <p:spPr/>
+        <p:txBody>
+          <a:bodyPr/>
+          <a:lstStyle/>
+          <a:p>
+            <a:endParaRPr lang="en-US" dirty="0"/>
+          </a:p>
+        </p:txBody>
+      </p:sp>
+      <p:sp>
+        <p:nvSpPr>
+          <p:cNvPr id="4" name="슬라이드 번호 개체 틀 3"/>
+          <p:cNvSpPr>
+            <a:spLocks noGrp="1"/>
+          </p:cNvSpPr>
+          <p:nvPr>
+            <p:ph type="sldNum" sz="quarter" idx="10"/>
+          </p:nvPr>
+        </p:nvSpPr>
+        <p:spPr/>
+        <p:txBody>
+          <a:bodyPr/>
+          <a:lstStyle/>
+          <a:p>
+            <a:pPr>
+              <a:defRPr/>
+            </a:pPr>
+            <a:fld id="{29D19138-5B90-4B2B-8529-8D5433B231BD}" type="slidenum">
+              <a:rPr lang="ko-KR" altLang="en-US" smtClean="0"/>
+              <a:pPr>
+                <a:defRPr/>
+              </a:pPr>
+              <a:t>3</a:t>
+            </a:fld>
+            <a:endParaRPr lang="en-US" altLang="ko-KR"/>
+          </a:p>
+        </p:txBody>
+      </p:sp>
+    </p:spTree>
+    <p:extLst>
+      <p:ext uri="{BB962C8B-B14F-4D97-AF65-F5344CB8AC3E}">
+        <p14:creationId xmlns:p14="http://schemas.microsoft.com/office/powerpoint/2010/main" val="686526147"/>
       </p:ext>
     </p:extLst>
   </p:cSld>
@@ -3219,6 +3310,802 @@
     <p:extLst>
       <p:ext uri="{BB962C8B-B14F-4D97-AF65-F5344CB8AC3E}">
         <p14:creationId xmlns:p14="http://schemas.microsoft.com/office/powerpoint/2010/main" val="3267683651"/>
+      </p:ext>
+    </p:extLst>
+  </p:cSld>
+  <p:clrMapOvr>
+    <a:masterClrMapping/>
+  </p:clrMapOvr>
+  <p:timing>
+    <p:tnLst>
+      <p:par>
+        <p:cTn id="1" dur="indefinite" restart="never" nodeType="tmRoot"/>
+      </p:par>
+    </p:tnLst>
+  </p:timing>
+</p:sld>
+</file>
+
+<file path=ppt/slides/slide3.xml><?xml version="1.0" encoding="utf-8"?>
+<p:sld xmlns:a="http://schemas.openxmlformats.org/drawingml/2006/main" xmlns:r="http://schemas.openxmlformats.org/officeDocument/2006/relationships" xmlns:p="http://schemas.openxmlformats.org/presentationml/2006/main">
+  <p:cSld>
+    <p:spTree>
+      <p:nvGrpSpPr>
+        <p:cNvPr id="1" name=""/>
+        <p:cNvGrpSpPr/>
+        <p:nvPr/>
+      </p:nvGrpSpPr>
+      <p:grpSpPr>
+        <a:xfrm>
+          <a:off x="0" y="0"/>
+          <a:ext cx="0" cy="0"/>
+          <a:chOff x="0" y="0"/>
+          <a:chExt cx="0" cy="0"/>
+        </a:xfrm>
+      </p:grpSpPr>
+      <p:grpSp>
+        <p:nvGrpSpPr>
+          <p:cNvPr id="9" name="그룹 8"/>
+          <p:cNvGrpSpPr/>
+          <p:nvPr/>
+        </p:nvGrpSpPr>
+        <p:grpSpPr>
+          <a:xfrm>
+            <a:off x="478248" y="147074"/>
+            <a:ext cx="8129797" cy="6097349"/>
+            <a:chOff x="-4130058" y="-461016"/>
+            <a:chExt cx="11704344" cy="8778259"/>
+          </a:xfrm>
+        </p:grpSpPr>
+        <p:pic>
+          <p:nvPicPr>
+            <p:cNvPr id="5" name="그림 4"/>
+            <p:cNvPicPr>
+              <a:picLocks noChangeAspect="1"/>
+            </p:cNvPicPr>
+            <p:nvPr/>
+          </p:nvPicPr>
+          <p:blipFill>
+            <a:blip r:embed="rId3">
+              <a:extLst>
+                <a:ext uri="{28A0092B-C50C-407E-A947-70E740481C1C}">
+                  <a14:useLocalDpi xmlns:a14="http://schemas.microsoft.com/office/drawing/2010/main" val="0"/>
+                </a:ext>
+              </a:extLst>
+            </a:blip>
+            <a:stretch>
+              <a:fillRect/>
+            </a:stretch>
+          </p:blipFill>
+          <p:spPr>
+            <a:xfrm>
+              <a:off x="1722114" y="-461015"/>
+              <a:ext cx="5852172" cy="4389129"/>
+            </a:xfrm>
+            <a:prstGeom prst="rect">
+              <a:avLst/>
+            </a:prstGeom>
+          </p:spPr>
+        </p:pic>
+        <p:pic>
+          <p:nvPicPr>
+            <p:cNvPr id="6" name="그림 5"/>
+            <p:cNvPicPr>
+              <a:picLocks noChangeAspect="1"/>
+            </p:cNvPicPr>
+            <p:nvPr/>
+          </p:nvPicPr>
+          <p:blipFill>
+            <a:blip r:embed="rId4">
+              <a:extLst>
+                <a:ext uri="{28A0092B-C50C-407E-A947-70E740481C1C}">
+                  <a14:useLocalDpi xmlns:a14="http://schemas.microsoft.com/office/drawing/2010/main" val="0"/>
+                </a:ext>
+              </a:extLst>
+            </a:blip>
+            <a:stretch>
+              <a:fillRect/>
+            </a:stretch>
+          </p:blipFill>
+          <p:spPr>
+            <a:xfrm>
+              <a:off x="-4130058" y="-461016"/>
+              <a:ext cx="5852172" cy="4389129"/>
+            </a:xfrm>
+            <a:prstGeom prst="rect">
+              <a:avLst/>
+            </a:prstGeom>
+          </p:spPr>
+        </p:pic>
+        <p:pic>
+          <p:nvPicPr>
+            <p:cNvPr id="7" name="그림 6"/>
+            <p:cNvPicPr>
+              <a:picLocks noChangeAspect="1"/>
+            </p:cNvPicPr>
+            <p:nvPr/>
+          </p:nvPicPr>
+          <p:blipFill>
+            <a:blip r:embed="rId5">
+              <a:extLst>
+                <a:ext uri="{28A0092B-C50C-407E-A947-70E740481C1C}">
+                  <a14:useLocalDpi xmlns:a14="http://schemas.microsoft.com/office/drawing/2010/main" val="0"/>
+                </a:ext>
+              </a:extLst>
+            </a:blip>
+            <a:stretch>
+              <a:fillRect/>
+            </a:stretch>
+          </p:blipFill>
+          <p:spPr>
+            <a:xfrm>
+              <a:off x="1722114" y="3928113"/>
+              <a:ext cx="5852172" cy="4389129"/>
+            </a:xfrm>
+            <a:prstGeom prst="rect">
+              <a:avLst/>
+            </a:prstGeom>
+          </p:spPr>
+        </p:pic>
+        <p:pic>
+          <p:nvPicPr>
+            <p:cNvPr id="8" name="그림 7"/>
+            <p:cNvPicPr>
+              <a:picLocks noChangeAspect="1"/>
+            </p:cNvPicPr>
+            <p:nvPr/>
+          </p:nvPicPr>
+          <p:blipFill>
+            <a:blip r:embed="rId6">
+              <a:extLst>
+                <a:ext uri="{28A0092B-C50C-407E-A947-70E740481C1C}">
+                  <a14:useLocalDpi xmlns:a14="http://schemas.microsoft.com/office/drawing/2010/main" val="0"/>
+                </a:ext>
+              </a:extLst>
+            </a:blip>
+            <a:stretch>
+              <a:fillRect/>
+            </a:stretch>
+          </p:blipFill>
+          <p:spPr>
+            <a:xfrm>
+              <a:off x="-4130058" y="3928114"/>
+              <a:ext cx="5852172" cy="4389129"/>
+            </a:xfrm>
+            <a:prstGeom prst="rect">
+              <a:avLst/>
+            </a:prstGeom>
+          </p:spPr>
+        </p:pic>
+      </p:grpSp>
+      <p:sp>
+        <p:nvSpPr>
+          <p:cNvPr id="10" name="직사각형 9"/>
+          <p:cNvSpPr/>
+          <p:nvPr/>
+        </p:nvSpPr>
+        <p:spPr>
+          <a:xfrm>
+            <a:off x="5015283" y="114171"/>
+            <a:ext cx="3507038" cy="307777"/>
+          </a:xfrm>
+          <a:prstGeom prst="rect">
+            <a:avLst/>
+          </a:prstGeom>
+        </p:spPr>
+        <p:txBody>
+          <a:bodyPr wrap="square">
+            <a:spAutoFit/>
+          </a:bodyPr>
+          <a:lstStyle/>
+          <a:p>
+            <a:r>
+              <a:rPr lang="en-US" sz="1400" b="1" dirty="0">
+                <a:solidFill>
+                  <a:srgbClr val="000000"/>
+                </a:solidFill>
+                <a:latin typeface="Arial" panose="020B0604020202020204" pitchFamily="34" charset="0"/>
+                <a:cs typeface="Arial" panose="020B0604020202020204" pitchFamily="34" charset="0"/>
+              </a:rPr>
+              <a:t>All </a:t>
+            </a:r>
+            <a:r>
+              <a:rPr lang="en-US" sz="1400" b="1" dirty="0" smtClean="0">
+                <a:solidFill>
+                  <a:srgbClr val="000000"/>
+                </a:solidFill>
+                <a:latin typeface="Arial" panose="020B0604020202020204" pitchFamily="34" charset="0"/>
+                <a:cs typeface="Arial" panose="020B0604020202020204" pitchFamily="34" charset="0"/>
+              </a:rPr>
+              <a:t>combinations without </a:t>
+            </a:r>
+            <a:r>
+              <a:rPr lang="en-US" sz="1400" b="1" i="1" dirty="0" smtClean="0">
+                <a:solidFill>
+                  <a:srgbClr val="000000"/>
+                </a:solidFill>
+                <a:latin typeface="Arial" panose="020B0604020202020204" pitchFamily="34" charset="0"/>
+                <a:cs typeface="Arial" panose="020B0604020202020204" pitchFamily="34" charset="0"/>
+              </a:rPr>
+              <a:t>Hypoxia</a:t>
+            </a:r>
+            <a:endParaRPr lang="en-US" sz="1400" b="1" i="1" dirty="0">
+              <a:solidFill>
+                <a:srgbClr val="000000"/>
+              </a:solidFill>
+              <a:latin typeface="Arial" panose="020B0604020202020204" pitchFamily="34" charset="0"/>
+              <a:cs typeface="Arial" panose="020B0604020202020204" pitchFamily="34" charset="0"/>
+            </a:endParaRPr>
+          </a:p>
+        </p:txBody>
+      </p:sp>
+      <p:sp>
+        <p:nvSpPr>
+          <p:cNvPr id="15" name="직사각형 14"/>
+          <p:cNvSpPr/>
+          <p:nvPr/>
+        </p:nvSpPr>
+        <p:spPr>
+          <a:xfrm>
+            <a:off x="886069" y="114171"/>
+            <a:ext cx="3342148" cy="307777"/>
+          </a:xfrm>
+          <a:prstGeom prst="rect">
+            <a:avLst/>
+          </a:prstGeom>
+        </p:spPr>
+        <p:txBody>
+          <a:bodyPr wrap="square">
+            <a:spAutoFit/>
+          </a:bodyPr>
+          <a:lstStyle/>
+          <a:p>
+            <a:r>
+              <a:rPr lang="en-US" sz="1400" b="1" dirty="0">
+                <a:solidFill>
+                  <a:srgbClr val="000000"/>
+                </a:solidFill>
+                <a:latin typeface="Arial" panose="020B0604020202020204" pitchFamily="34" charset="0"/>
+                <a:cs typeface="Arial" panose="020B0604020202020204" pitchFamily="34" charset="0"/>
+              </a:rPr>
+              <a:t>All </a:t>
+            </a:r>
+            <a:r>
+              <a:rPr lang="en-US" sz="1400" b="1" dirty="0" smtClean="0">
+                <a:solidFill>
+                  <a:srgbClr val="000000"/>
+                </a:solidFill>
+                <a:latin typeface="Arial" panose="020B0604020202020204" pitchFamily="34" charset="0"/>
+                <a:cs typeface="Arial" panose="020B0604020202020204" pitchFamily="34" charset="0"/>
+              </a:rPr>
+              <a:t>combinations </a:t>
+            </a:r>
+            <a:r>
+              <a:rPr lang="en-US" sz="1400" b="1" dirty="0">
+                <a:solidFill>
+                  <a:srgbClr val="000000"/>
+                </a:solidFill>
+                <a:latin typeface="Arial" panose="020B0604020202020204" pitchFamily="34" charset="0"/>
+                <a:cs typeface="Arial" panose="020B0604020202020204" pitchFamily="34" charset="0"/>
+              </a:rPr>
+              <a:t>of input conditions</a:t>
+            </a:r>
+            <a:endParaRPr lang="en-US" sz="1400" b="1" dirty="0">
+              <a:solidFill>
+                <a:srgbClr val="000000"/>
+              </a:solidFill>
+              <a:latin typeface="Arial" panose="020B0604020202020204" pitchFamily="34" charset="0"/>
+              <a:cs typeface="Arial" panose="020B0604020202020204" pitchFamily="34" charset="0"/>
+            </a:endParaRPr>
+          </a:p>
+        </p:txBody>
+      </p:sp>
+      <p:sp>
+        <p:nvSpPr>
+          <p:cNvPr id="16" name="직사각형 15"/>
+          <p:cNvSpPr/>
+          <p:nvPr/>
+        </p:nvSpPr>
+        <p:spPr>
+          <a:xfrm rot="16200000">
+            <a:off x="-77724" y="4701750"/>
+            <a:ext cx="1495922" cy="246221"/>
+          </a:xfrm>
+          <a:prstGeom prst="rect">
+            <a:avLst/>
+          </a:prstGeom>
+        </p:spPr>
+        <p:txBody>
+          <a:bodyPr wrap="none">
+            <a:spAutoFit/>
+          </a:bodyPr>
+          <a:lstStyle/>
+          <a:p>
+            <a:r>
+              <a:rPr lang="en-US" sz="1000" dirty="0">
+                <a:solidFill>
+                  <a:srgbClr val="000000"/>
+                </a:solidFill>
+              </a:rPr>
+              <a:t>Basin ratio of </a:t>
+            </a:r>
+            <a:r>
+              <a:rPr lang="en-US" sz="1000" dirty="0" smtClean="0">
+                <a:solidFill>
+                  <a:srgbClr val="000000"/>
+                </a:solidFill>
+              </a:rPr>
+              <a:t>attractor </a:t>
+            </a:r>
+            <a:endParaRPr lang="en-US" sz="1000" dirty="0">
+              <a:solidFill>
+                <a:srgbClr val="000000"/>
+              </a:solidFill>
+            </a:endParaRPr>
+          </a:p>
+        </p:txBody>
+      </p:sp>
+      <p:graphicFrame>
+        <p:nvGraphicFramePr>
+          <p:cNvPr id="20" name="표 19"/>
+          <p:cNvGraphicFramePr>
+            <a:graphicFrameLocks noGrp="1"/>
+          </p:cNvGraphicFramePr>
+          <p:nvPr>
+            <p:extLst>
+              <p:ext uri="{D42A27DB-BD31-4B8C-83A1-F6EECF244321}">
+                <p14:modId xmlns:p14="http://schemas.microsoft.com/office/powerpoint/2010/main" val="2591094373"/>
+              </p:ext>
+            </p:extLst>
+          </p:nvPr>
+        </p:nvGraphicFramePr>
+        <p:xfrm>
+          <a:off x="568496" y="6190649"/>
+          <a:ext cx="3909234" cy="251460"/>
+        </p:xfrm>
+        <a:graphic>
+          <a:graphicData uri="http://schemas.openxmlformats.org/drawingml/2006/table">
+            <a:tbl>
+              <a:tblPr firstRow="1" bandRow="1">
+                <a:tableStyleId>{68D230F3-CF80-4859-8CE7-A43EE81993B5}</a:tableStyleId>
+              </a:tblPr>
+              <a:tblGrid>
+                <a:gridCol w="651539"/>
+                <a:gridCol w="651539"/>
+                <a:gridCol w="651539"/>
+                <a:gridCol w="651539"/>
+                <a:gridCol w="651539"/>
+                <a:gridCol w="651539"/>
+              </a:tblGrid>
+              <a:tr h="173283">
+                <a:tc>
+                  <a:txBody>
+                    <a:bodyPr/>
+                    <a:lstStyle/>
+                    <a:p>
+                      <a:pPr algn="ctr"/>
+                      <a:r>
+                        <a:rPr lang="en-US" sz="1050" dirty="0" smtClean="0">
+                          <a:solidFill>
+                            <a:srgbClr val="000000"/>
+                          </a:solidFill>
+                        </a:rPr>
+                        <a:t>free</a:t>
+                      </a:r>
+                      <a:endParaRPr lang="en-US" sz="1050" b="0" dirty="0">
+                        <a:solidFill>
+                          <a:srgbClr val="000000"/>
+                        </a:solidFill>
+                      </a:endParaRPr>
+                    </a:p>
+                  </a:txBody>
+                  <a:tcPr/>
+                </a:tc>
+                <a:tc>
+                  <a:txBody>
+                    <a:bodyPr/>
+                    <a:lstStyle/>
+                    <a:p>
+                      <a:pPr algn="ctr"/>
+                      <a:r>
+                        <a:rPr lang="en-US" sz="1050" dirty="0" err="1" smtClean="0">
+                          <a:solidFill>
+                            <a:srgbClr val="000000"/>
+                          </a:solidFill>
+                        </a:rPr>
+                        <a:t>apc</a:t>
+                      </a:r>
+                      <a:endParaRPr lang="en-US" sz="1050" b="0" dirty="0">
+                        <a:solidFill>
+                          <a:srgbClr val="000000"/>
+                        </a:solidFill>
+                      </a:endParaRPr>
+                    </a:p>
+                  </a:txBody>
+                  <a:tcPr/>
+                </a:tc>
+                <a:tc>
+                  <a:txBody>
+                    <a:bodyPr/>
+                    <a:lstStyle/>
+                    <a:p>
+                      <a:pPr algn="ctr"/>
+                      <a:r>
+                        <a:rPr lang="en-US" sz="1050" dirty="0" err="1" smtClean="0">
+                          <a:solidFill>
+                            <a:srgbClr val="000000"/>
+                          </a:solidFill>
+                        </a:rPr>
+                        <a:t>ras</a:t>
+                      </a:r>
+                      <a:endParaRPr lang="en-US" sz="1050" b="0" dirty="0">
+                        <a:solidFill>
+                          <a:srgbClr val="000000"/>
+                        </a:solidFill>
+                      </a:endParaRPr>
+                    </a:p>
+                  </a:txBody>
+                  <a:tcPr/>
+                </a:tc>
+                <a:tc>
+                  <a:txBody>
+                    <a:bodyPr/>
+                    <a:lstStyle/>
+                    <a:p>
+                      <a:pPr algn="ctr"/>
+                      <a:r>
+                        <a:rPr lang="en-US" sz="1050" dirty="0" err="1" smtClean="0">
+                          <a:solidFill>
+                            <a:srgbClr val="000000"/>
+                          </a:solidFill>
+                        </a:rPr>
+                        <a:t>smad</a:t>
+                      </a:r>
+                      <a:endParaRPr lang="en-US" sz="1050" b="0" dirty="0">
+                        <a:solidFill>
+                          <a:srgbClr val="000000"/>
+                        </a:solidFill>
+                      </a:endParaRPr>
+                    </a:p>
+                  </a:txBody>
+                  <a:tcPr/>
+                </a:tc>
+                <a:tc>
+                  <a:txBody>
+                    <a:bodyPr/>
+                    <a:lstStyle/>
+                    <a:p>
+                      <a:pPr algn="ctr"/>
+                      <a:r>
+                        <a:rPr lang="en-US" sz="1050" dirty="0" err="1" smtClean="0">
+                          <a:solidFill>
+                            <a:srgbClr val="000000"/>
+                          </a:solidFill>
+                        </a:rPr>
+                        <a:t>pten</a:t>
+                      </a:r>
+                      <a:endParaRPr lang="en-US" sz="1050" b="0" dirty="0">
+                        <a:solidFill>
+                          <a:srgbClr val="000000"/>
+                        </a:solidFill>
+                      </a:endParaRPr>
+                    </a:p>
+                  </a:txBody>
+                  <a:tcPr/>
+                </a:tc>
+                <a:tc>
+                  <a:txBody>
+                    <a:bodyPr/>
+                    <a:lstStyle/>
+                    <a:p>
+                      <a:pPr algn="ctr"/>
+                      <a:r>
+                        <a:rPr lang="en-US" sz="1050" dirty="0" smtClean="0">
+                          <a:solidFill>
+                            <a:srgbClr val="000000"/>
+                          </a:solidFill>
+                        </a:rPr>
+                        <a:t>p53</a:t>
+                      </a:r>
+                      <a:endParaRPr lang="en-US" sz="1050" b="0" dirty="0">
+                        <a:solidFill>
+                          <a:srgbClr val="000000"/>
+                        </a:solidFill>
+                      </a:endParaRPr>
+                    </a:p>
+                  </a:txBody>
+                  <a:tcPr/>
+                </a:tc>
+              </a:tr>
+            </a:tbl>
+          </a:graphicData>
+        </a:graphic>
+      </p:graphicFrame>
+      <p:sp>
+        <p:nvSpPr>
+          <p:cNvPr id="22" name="직사각형 21"/>
+          <p:cNvSpPr/>
+          <p:nvPr/>
+        </p:nvSpPr>
+        <p:spPr>
+          <a:xfrm>
+            <a:off x="547126" y="6422495"/>
+            <a:ext cx="1042273" cy="307777"/>
+          </a:xfrm>
+          <a:prstGeom prst="rect">
+            <a:avLst/>
+          </a:prstGeom>
+        </p:spPr>
+        <p:txBody>
+          <a:bodyPr wrap="none">
+            <a:spAutoFit/>
+          </a:bodyPr>
+          <a:lstStyle/>
+          <a:p>
+            <a:r>
+              <a:rPr lang="en-US" sz="1400" b="1" dirty="0">
+                <a:solidFill>
+                  <a:srgbClr val="000000"/>
+                </a:solidFill>
+                <a:sym typeface="Wingdings" panose="05000000000000000000" pitchFamily="2" charset="2"/>
+              </a:rPr>
+              <a:t> </a:t>
+            </a:r>
+            <a:r>
+              <a:rPr lang="en-US" sz="1400" b="1" dirty="0" smtClean="0">
+                <a:solidFill>
+                  <a:srgbClr val="000000"/>
+                </a:solidFill>
+              </a:rPr>
+              <a:t>Benign</a:t>
+            </a:r>
+            <a:endParaRPr lang="en-US" sz="1400" b="1" dirty="0">
+              <a:solidFill>
+                <a:srgbClr val="000000"/>
+              </a:solidFill>
+            </a:endParaRPr>
+          </a:p>
+        </p:txBody>
+      </p:sp>
+      <p:sp>
+        <p:nvSpPr>
+          <p:cNvPr id="23" name="직사각형 22"/>
+          <p:cNvSpPr/>
+          <p:nvPr/>
+        </p:nvSpPr>
+        <p:spPr>
+          <a:xfrm>
+            <a:off x="3253056" y="6449353"/>
+            <a:ext cx="1263487" cy="307777"/>
+          </a:xfrm>
+          <a:prstGeom prst="rect">
+            <a:avLst/>
+          </a:prstGeom>
+        </p:spPr>
+        <p:txBody>
+          <a:bodyPr wrap="none">
+            <a:spAutoFit/>
+          </a:bodyPr>
+          <a:lstStyle/>
+          <a:p>
+            <a:r>
+              <a:rPr lang="en-US" sz="1400" b="1" dirty="0" smtClean="0">
+                <a:solidFill>
+                  <a:srgbClr val="000000"/>
+                </a:solidFill>
+              </a:rPr>
+              <a:t>Malignant</a:t>
+            </a:r>
+            <a:r>
+              <a:rPr lang="en-US" sz="1400" b="1" dirty="0" smtClean="0">
+                <a:solidFill>
+                  <a:srgbClr val="000000"/>
+                </a:solidFill>
+                <a:sym typeface="Wingdings" panose="05000000000000000000" pitchFamily="2" charset="2"/>
+              </a:rPr>
+              <a:t></a:t>
+            </a:r>
+            <a:endParaRPr lang="en-US" sz="1400" b="1" dirty="0">
+              <a:solidFill>
+                <a:srgbClr val="000000"/>
+              </a:solidFill>
+            </a:endParaRPr>
+          </a:p>
+        </p:txBody>
+      </p:sp>
+      <p:sp>
+        <p:nvSpPr>
+          <p:cNvPr id="25" name="타원 24"/>
+          <p:cNvSpPr/>
+          <p:nvPr/>
+        </p:nvSpPr>
+        <p:spPr bwMode="auto">
+          <a:xfrm rot="17374173">
+            <a:off x="4982145" y="2207613"/>
+            <a:ext cx="1033559" cy="311076"/>
+          </a:xfrm>
+          <a:prstGeom prst="ellipse">
+            <a:avLst/>
+          </a:prstGeom>
+          <a:noFill/>
+          <a:ln w="9525" cap="flat" cmpd="sng" algn="ctr">
+            <a:solidFill>
+              <a:srgbClr val="000000"/>
+            </a:solidFill>
+            <a:prstDash val="solid"/>
+            <a:round/>
+            <a:headEnd type="none" w="med" len="med"/>
+            <a:tailEnd type="none" w="med" len="med"/>
+          </a:ln>
+          <a:effectLst/>
+        </p:spPr>
+        <p:txBody>
+          <a:bodyPr vert="horz" wrap="square" lIns="91440" tIns="45720" rIns="91440" bIns="45720" numCol="1" rtlCol="0" anchor="t" anchorCtr="0" compatLnSpc="1">
+            <a:prstTxWarp prst="textNoShape">
+              <a:avLst/>
+            </a:prstTxWarp>
+          </a:bodyPr>
+          <a:lstStyle/>
+          <a:p>
+            <a:pPr marL="0" marR="0" indent="0" algn="ctr" defTabSz="914400" rtl="0" eaLnBrk="1" fontAlgn="base" latinLnBrk="0" hangingPunct="1">
+              <a:lnSpc>
+                <a:spcPct val="100000"/>
+              </a:lnSpc>
+              <a:spcBef>
+                <a:spcPct val="0"/>
+              </a:spcBef>
+              <a:spcAft>
+                <a:spcPct val="0"/>
+              </a:spcAft>
+              <a:buClrTx/>
+              <a:buSzTx/>
+              <a:buFontTx/>
+              <a:buNone/>
+              <a:tabLst/>
+            </a:pPr>
+            <a:endParaRPr kumimoji="0" lang="en-US" sz="2400" b="0" i="0" u="none" strike="noStrike" cap="none" normalizeH="0" baseline="0" smtClean="0">
+              <a:ln>
+                <a:noFill/>
+              </a:ln>
+              <a:solidFill>
+                <a:schemeClr val="tx1"/>
+              </a:solidFill>
+              <a:effectLst/>
+              <a:latin typeface="Tahoma" pitchFamily="34" charset="0"/>
+            </a:endParaRPr>
+          </a:p>
+        </p:txBody>
+      </p:sp>
+      <p:sp>
+        <p:nvSpPr>
+          <p:cNvPr id="26" name="타원 25"/>
+          <p:cNvSpPr/>
+          <p:nvPr/>
+        </p:nvSpPr>
+        <p:spPr bwMode="auto">
+          <a:xfrm rot="19124779">
+            <a:off x="5023792" y="1964204"/>
+            <a:ext cx="1714371" cy="368470"/>
+          </a:xfrm>
+          <a:prstGeom prst="ellipse">
+            <a:avLst/>
+          </a:prstGeom>
+          <a:noFill/>
+          <a:ln w="9525" cap="flat" cmpd="sng" algn="ctr">
+            <a:solidFill>
+              <a:srgbClr val="000000"/>
+            </a:solidFill>
+            <a:prstDash val="solid"/>
+            <a:round/>
+            <a:headEnd type="none" w="med" len="med"/>
+            <a:tailEnd type="none" w="med" len="med"/>
+          </a:ln>
+          <a:effectLst/>
+        </p:spPr>
+        <p:txBody>
+          <a:bodyPr vert="horz" wrap="square" lIns="91440" tIns="45720" rIns="91440" bIns="45720" numCol="1" rtlCol="0" anchor="t" anchorCtr="0" compatLnSpc="1">
+            <a:prstTxWarp prst="textNoShape">
+              <a:avLst/>
+            </a:prstTxWarp>
+          </a:bodyPr>
+          <a:lstStyle/>
+          <a:p>
+            <a:pPr marL="0" marR="0" indent="0" algn="ctr" defTabSz="914400" rtl="0" eaLnBrk="1" fontAlgn="base" latinLnBrk="0" hangingPunct="1">
+              <a:lnSpc>
+                <a:spcPct val="100000"/>
+              </a:lnSpc>
+              <a:spcBef>
+                <a:spcPct val="0"/>
+              </a:spcBef>
+              <a:spcAft>
+                <a:spcPct val="0"/>
+              </a:spcAft>
+              <a:buClrTx/>
+              <a:buSzTx/>
+              <a:buFontTx/>
+              <a:buNone/>
+              <a:tabLst/>
+            </a:pPr>
+            <a:endParaRPr kumimoji="0" lang="en-US" sz="2400" b="0" i="0" u="none" strike="noStrike" cap="none" normalizeH="0" baseline="0" smtClean="0">
+              <a:ln>
+                <a:noFill/>
+              </a:ln>
+              <a:solidFill>
+                <a:schemeClr val="tx1"/>
+              </a:solidFill>
+              <a:effectLst/>
+              <a:latin typeface="Tahoma" pitchFamily="34" charset="0"/>
+            </a:endParaRPr>
+          </a:p>
+        </p:txBody>
+      </p:sp>
+      <p:sp>
+        <p:nvSpPr>
+          <p:cNvPr id="27" name="타원 26"/>
+          <p:cNvSpPr/>
+          <p:nvPr/>
+        </p:nvSpPr>
+        <p:spPr bwMode="auto">
+          <a:xfrm rot="19124779">
+            <a:off x="6377237" y="943654"/>
+            <a:ext cx="1517694" cy="511325"/>
+          </a:xfrm>
+          <a:prstGeom prst="ellipse">
+            <a:avLst/>
+          </a:prstGeom>
+          <a:noFill/>
+          <a:ln w="9525" cap="flat" cmpd="sng" algn="ctr">
+            <a:solidFill>
+              <a:srgbClr val="000000"/>
+            </a:solidFill>
+            <a:prstDash val="solid"/>
+            <a:round/>
+            <a:headEnd type="none" w="med" len="med"/>
+            <a:tailEnd type="none" w="med" len="med"/>
+          </a:ln>
+          <a:effectLst/>
+        </p:spPr>
+        <p:txBody>
+          <a:bodyPr vert="horz" wrap="square" lIns="91440" tIns="45720" rIns="91440" bIns="45720" numCol="1" rtlCol="0" anchor="t" anchorCtr="0" compatLnSpc="1">
+            <a:prstTxWarp prst="textNoShape">
+              <a:avLst/>
+            </a:prstTxWarp>
+          </a:bodyPr>
+          <a:lstStyle/>
+          <a:p>
+            <a:pPr marL="0" marR="0" indent="0" algn="ctr" defTabSz="914400" rtl="0" eaLnBrk="1" fontAlgn="base" latinLnBrk="0" hangingPunct="1">
+              <a:lnSpc>
+                <a:spcPct val="100000"/>
+              </a:lnSpc>
+              <a:spcBef>
+                <a:spcPct val="0"/>
+              </a:spcBef>
+              <a:spcAft>
+                <a:spcPct val="0"/>
+              </a:spcAft>
+              <a:buClrTx/>
+              <a:buSzTx/>
+              <a:buFontTx/>
+              <a:buNone/>
+              <a:tabLst/>
+            </a:pPr>
+            <a:endParaRPr kumimoji="0" lang="en-US" sz="2400" b="0" i="0" u="none" strike="noStrike" cap="none" normalizeH="0" baseline="0" smtClean="0">
+              <a:ln>
+                <a:noFill/>
+              </a:ln>
+              <a:solidFill>
+                <a:schemeClr val="tx1"/>
+              </a:solidFill>
+              <a:effectLst/>
+              <a:latin typeface="Tahoma" pitchFamily="34" charset="0"/>
+            </a:endParaRPr>
+          </a:p>
+        </p:txBody>
+      </p:sp>
+    </p:spTree>
+    <p:extLst>
+      <p:ext uri="{BB962C8B-B14F-4D97-AF65-F5344CB8AC3E}">
+        <p14:creationId xmlns:p14="http://schemas.microsoft.com/office/powerpoint/2010/main" val="3767442220"/>
       </p:ext>
     </p:extLst>
   </p:cSld>
